--- a/第一周（6.20~6.26）/RAISC-V ISA介绍/RAISC-V ISA介绍.pptx
+++ b/第一周（6.20~6.26）/RAISC-V ISA介绍/RAISC-V ISA介绍.pptx
@@ -9861,397 +9861,6 @@
           </a:p>
         </p:txBody>
       </p:sp>
-      <p:sp>
-        <p:nvSpPr>
-          <p:cNvPr id="7" name="文本框 6">
-            <a:extLst>
-              <a:ext uri="{FF2B5EF4-FFF2-40B4-BE49-F238E27FC236}">
-                <a16:creationId xmlns:a16="http://schemas.microsoft.com/office/drawing/2014/main" id="{9C7F9CD6-D33A-C9E2-152D-133EE81B819D}"/>
-              </a:ext>
-            </a:extLst>
-          </p:cNvPr>
-          <p:cNvSpPr txBox="1"/>
-          <p:nvPr/>
-        </p:nvSpPr>
-        <p:spPr>
-          <a:xfrm>
-            <a:off x="272480" y="1125538"/>
-            <a:ext cx="8264194" cy="5280420"/>
-          </a:xfrm>
-          <a:prstGeom prst="rect">
-            <a:avLst/>
-          </a:prstGeom>
-          <a:noFill/>
-        </p:spPr>
-        <p:txBody>
-          <a:bodyPr wrap="square" rtlCol="0">
-            <a:spAutoFit/>
-          </a:bodyPr>
-          <a:lstStyle/>
-          <a:p>
-            <a:pPr algn="l">
-              <a:lnSpc>
-                <a:spcPct val="110000"/>
-              </a:lnSpc>
-            </a:pPr>
-            <a:r>
-              <a:rPr lang="en-US" altLang="zh-CN" sz="2800" b="0" i="0" u="none" strike="noStrike" baseline="0" dirty="0">
-                <a:solidFill>
-                  <a:srgbClr val="4F7BF7"/>
-                </a:solidFill>
-                <a:latin typeface="Wingdings" panose="05000000000000000000" pitchFamily="2" charset="2"/>
-              </a:rPr>
-              <a:t>Ø </a:t>
-            </a:r>
-            <a:r>
-              <a:rPr lang="en-US" altLang="zh-CN" sz="2800" b="1" i="0" u="none" strike="noStrike" baseline="0" dirty="0">
-                <a:solidFill>
-                  <a:srgbClr val="4F7BF7"/>
-                </a:solidFill>
-                <a:latin typeface="MicrosoftYaHei"/>
-              </a:rPr>
-              <a:t>ISA</a:t>
-            </a:r>
-            <a:r>
-              <a:rPr lang="zh-CN" altLang="en-US" sz="2800" b="1" i="0" u="none" strike="noStrike" baseline="0" dirty="0">
-                <a:solidFill>
-                  <a:srgbClr val="4F7BF7"/>
-                </a:solidFill>
-                <a:latin typeface="MicrosoftYaHei"/>
-              </a:rPr>
-              <a:t>（</a:t>
-            </a:r>
-            <a:r>
-              <a:rPr lang="en-US" altLang="zh-CN" sz="2800" b="1" i="0" u="none" strike="noStrike" baseline="0" dirty="0">
-                <a:solidFill>
-                  <a:srgbClr val="4F7BF7"/>
-                </a:solidFill>
-                <a:latin typeface="MicrosoftYaHei"/>
-              </a:rPr>
-              <a:t>Instruction Set Architecture</a:t>
-            </a:r>
-            <a:r>
-              <a:rPr lang="zh-CN" altLang="en-US" sz="2800" b="1" i="0" u="none" strike="noStrike" baseline="0" dirty="0">
-                <a:solidFill>
-                  <a:srgbClr val="4F7BF7"/>
-                </a:solidFill>
-                <a:latin typeface="MicrosoftYaHei"/>
-              </a:rPr>
-              <a:t>）指令集架</a:t>
-            </a:r>
-          </a:p>
-          <a:p>
-            <a:pPr algn="l">
-              <a:lnSpc>
-                <a:spcPct val="110000"/>
-              </a:lnSpc>
-            </a:pPr>
-            <a:r>
-              <a:rPr lang="zh-CN" altLang="en-US" sz="2800" b="1" i="0" u="none" strike="noStrike" baseline="0" dirty="0">
-                <a:solidFill>
-                  <a:srgbClr val="4F7BF7"/>
-                </a:solidFill>
-                <a:latin typeface="MicrosoftYaHei"/>
-              </a:rPr>
-              <a:t>构：</a:t>
-            </a:r>
-            <a:r>
-              <a:rPr lang="zh-CN" altLang="en-US" sz="2800" b="0" i="0" u="none" strike="noStrike" baseline="0" dirty="0">
-                <a:solidFill>
-                  <a:srgbClr val="4F7BF7"/>
-                </a:solidFill>
-                <a:latin typeface="MicrosoftYaHei"/>
-              </a:rPr>
-              <a:t>是底层硬件电路面向上层软件程序提供的一</a:t>
-            </a:r>
-          </a:p>
-          <a:p>
-            <a:pPr algn="l">
-              <a:lnSpc>
-                <a:spcPct val="110000"/>
-              </a:lnSpc>
-            </a:pPr>
-            <a:r>
-              <a:rPr lang="zh-CN" altLang="en-US" sz="2800" b="0" i="0" u="none" strike="noStrike" baseline="0" dirty="0">
-                <a:solidFill>
-                  <a:srgbClr val="4F7BF7"/>
-                </a:solidFill>
-                <a:latin typeface="MicrosoftYaHei"/>
-              </a:rPr>
-              <a:t>层</a:t>
-            </a:r>
-            <a:r>
-              <a:rPr lang="zh-CN" altLang="en-US" sz="2800" b="1" i="0" u="none" strike="noStrike" baseline="0" dirty="0">
-                <a:solidFill>
-                  <a:srgbClr val="000000"/>
-                </a:solidFill>
-                <a:latin typeface="MicrosoftYaHei"/>
-              </a:rPr>
-              <a:t>接口规范</a:t>
-            </a:r>
-            <a:r>
-              <a:rPr lang="zh-CN" altLang="en-US" sz="2800" b="0" i="0" u="none" strike="noStrike" baseline="0" dirty="0">
-                <a:solidFill>
-                  <a:srgbClr val="4F7BF7"/>
-                </a:solidFill>
-                <a:latin typeface="MicrosoftYaHei"/>
-              </a:rPr>
-              <a:t>。</a:t>
-            </a:r>
-          </a:p>
-          <a:p>
-            <a:pPr algn="l">
-              <a:lnSpc>
-                <a:spcPct val="110000"/>
-              </a:lnSpc>
-            </a:pPr>
-            <a:r>
-              <a:rPr lang="en-US" altLang="zh-CN" sz="2800" b="0" i="0" u="none" strike="noStrike" baseline="0" dirty="0">
-                <a:solidFill>
-                  <a:srgbClr val="4F7BF7"/>
-                </a:solidFill>
-                <a:latin typeface="Wingdings" panose="05000000000000000000" pitchFamily="2" charset="2"/>
-              </a:rPr>
-              <a:t>Ø </a:t>
-            </a:r>
-            <a:r>
-              <a:rPr lang="en-US" altLang="zh-CN" sz="2800" b="1" i="0" u="none" strike="noStrike" baseline="0" dirty="0">
-                <a:solidFill>
-                  <a:srgbClr val="4F7BF7"/>
-                </a:solidFill>
-                <a:latin typeface="MicrosoftYaHei"/>
-              </a:rPr>
-              <a:t>ISA </a:t>
-            </a:r>
-            <a:r>
-              <a:rPr lang="zh-CN" altLang="en-US" sz="2800" b="1" i="0" u="none" strike="noStrike" baseline="0" dirty="0">
-                <a:solidFill>
-                  <a:srgbClr val="4F7BF7"/>
-                </a:solidFill>
-                <a:latin typeface="MicrosoftYaHei"/>
-              </a:rPr>
-              <a:t>定义了：</a:t>
-            </a:r>
-          </a:p>
-          <a:p>
-            <a:pPr algn="l">
-              <a:lnSpc>
-                <a:spcPct val="110000"/>
-              </a:lnSpc>
-            </a:pPr>
-            <a:r>
-              <a:rPr lang="en-US" altLang="zh-CN" sz="2800" b="0" i="0" u="none" strike="noStrike" baseline="0" dirty="0">
-                <a:solidFill>
-                  <a:srgbClr val="4F7BF7"/>
-                </a:solidFill>
-                <a:latin typeface="Arial" panose="020B0604020202020204" pitchFamily="34" charset="0"/>
-              </a:rPr>
-              <a:t>• </a:t>
-            </a:r>
-            <a:r>
-              <a:rPr lang="zh-CN" altLang="en-US" sz="2800" b="1" i="0" u="none" strike="noStrike" baseline="0" dirty="0">
-                <a:solidFill>
-                  <a:srgbClr val="4F7BF7"/>
-                </a:solidFill>
-                <a:latin typeface="等线" panose="02010600030101010101" pitchFamily="2" charset="-122"/>
-                <a:ea typeface="等线" panose="02010600030101010101" pitchFamily="2" charset="-122"/>
-              </a:rPr>
-              <a:t>基本数据类型：</a:t>
-            </a:r>
-          </a:p>
-          <a:p>
-            <a:pPr algn="l">
-              <a:lnSpc>
-                <a:spcPct val="110000"/>
-              </a:lnSpc>
-            </a:pPr>
-            <a:r>
-              <a:rPr lang="en-US" altLang="zh-CN" sz="2800" b="1" i="0" u="none" strike="noStrike" baseline="0" dirty="0">
-                <a:solidFill>
-                  <a:srgbClr val="4F7BF7"/>
-                </a:solidFill>
-                <a:latin typeface="等线" panose="02010600030101010101" pitchFamily="2" charset="-122"/>
-                <a:ea typeface="等线" panose="02010600030101010101" pitchFamily="2" charset="-122"/>
-              </a:rPr>
-              <a:t>BYTE/HALFWORD/WORD/……</a:t>
-            </a:r>
-            <a:endParaRPr lang="zh-CN" altLang="en-US" sz="2800" b="1" i="0" u="none" strike="noStrike" baseline="0" dirty="0">
-              <a:solidFill>
-                <a:srgbClr val="4F7BF7"/>
-              </a:solidFill>
-              <a:latin typeface="等线" panose="02010600030101010101" pitchFamily="2" charset="-122"/>
-              <a:ea typeface="等线" panose="02010600030101010101" pitchFamily="2" charset="-122"/>
-            </a:endParaRPr>
-          </a:p>
-          <a:p>
-            <a:pPr algn="l">
-              <a:lnSpc>
-                <a:spcPct val="110000"/>
-              </a:lnSpc>
-            </a:pPr>
-            <a:r>
-              <a:rPr lang="en-US" altLang="zh-CN" sz="2800" b="0" i="0" u="none" strike="noStrike" baseline="0" dirty="0">
-                <a:solidFill>
-                  <a:srgbClr val="4F7BF7"/>
-                </a:solidFill>
-                <a:latin typeface="Arial" panose="020B0604020202020204" pitchFamily="34" charset="0"/>
-              </a:rPr>
-              <a:t>• </a:t>
-            </a:r>
-            <a:r>
-              <a:rPr lang="zh-CN" altLang="en-US" sz="2800" b="1" i="0" u="none" strike="noStrike" baseline="0" dirty="0">
-                <a:solidFill>
-                  <a:srgbClr val="4F7BF7"/>
-                </a:solidFill>
-                <a:latin typeface="等线" panose="02010600030101010101" pitchFamily="2" charset="-122"/>
-                <a:ea typeface="等线" panose="02010600030101010101" pitchFamily="2" charset="-122"/>
-              </a:rPr>
-              <a:t>寄存器（</a:t>
-            </a:r>
-            <a:r>
-              <a:rPr lang="en-US" altLang="zh-CN" sz="2800" b="1" i="0" u="none" strike="noStrike" baseline="0" dirty="0">
-                <a:solidFill>
-                  <a:srgbClr val="4F7BF7"/>
-                </a:solidFill>
-                <a:latin typeface="等线" panose="02010600030101010101" pitchFamily="2" charset="-122"/>
-                <a:ea typeface="等线" panose="02010600030101010101" pitchFamily="2" charset="-122"/>
-              </a:rPr>
-              <a:t>Register</a:t>
-            </a:r>
-            <a:r>
-              <a:rPr lang="zh-CN" altLang="en-US" sz="2800" b="1" i="0" u="none" strike="noStrike" baseline="0" dirty="0">
-                <a:solidFill>
-                  <a:srgbClr val="4F7BF7"/>
-                </a:solidFill>
-                <a:latin typeface="等线" panose="02010600030101010101" pitchFamily="2" charset="-122"/>
-                <a:ea typeface="等线" panose="02010600030101010101" pitchFamily="2" charset="-122"/>
-              </a:rPr>
-              <a:t>）</a:t>
-            </a:r>
-          </a:p>
-          <a:p>
-            <a:pPr algn="l">
-              <a:lnSpc>
-                <a:spcPct val="110000"/>
-              </a:lnSpc>
-            </a:pPr>
-            <a:r>
-              <a:rPr lang="en-US" altLang="zh-CN" sz="2800" b="0" i="0" u="none" strike="noStrike" baseline="0" dirty="0">
-                <a:solidFill>
-                  <a:srgbClr val="4F7BF7"/>
-                </a:solidFill>
-                <a:latin typeface="Arial" panose="020B0604020202020204" pitchFamily="34" charset="0"/>
-              </a:rPr>
-              <a:t>• </a:t>
-            </a:r>
-            <a:r>
-              <a:rPr lang="zh-CN" altLang="en-US" sz="2800" b="1" i="0" u="none" strike="noStrike" baseline="0" dirty="0">
-                <a:solidFill>
-                  <a:srgbClr val="4F7BF7"/>
-                </a:solidFill>
-                <a:latin typeface="等线" panose="02010600030101010101" pitchFamily="2" charset="-122"/>
-                <a:ea typeface="等线" panose="02010600030101010101" pitchFamily="2" charset="-122"/>
-              </a:rPr>
-              <a:t>指令</a:t>
-            </a:r>
-          </a:p>
-          <a:p>
-            <a:pPr algn="l">
-              <a:lnSpc>
-                <a:spcPct val="110000"/>
-              </a:lnSpc>
-            </a:pPr>
-            <a:r>
-              <a:rPr lang="en-US" altLang="zh-CN" sz="2800" b="0" i="0" u="none" strike="noStrike" baseline="0" dirty="0">
-                <a:solidFill>
-                  <a:srgbClr val="4F7BF7"/>
-                </a:solidFill>
-                <a:latin typeface="Arial" panose="020B0604020202020204" pitchFamily="34" charset="0"/>
-              </a:rPr>
-              <a:t>• </a:t>
-            </a:r>
-            <a:r>
-              <a:rPr lang="zh-CN" altLang="en-US" sz="2800" b="1" i="0" u="none" strike="noStrike" baseline="0" dirty="0">
-                <a:solidFill>
-                  <a:srgbClr val="4F7BF7"/>
-                </a:solidFill>
-                <a:latin typeface="等线" panose="02010600030101010101" pitchFamily="2" charset="-122"/>
-                <a:ea typeface="等线" panose="02010600030101010101" pitchFamily="2" charset="-122"/>
-              </a:rPr>
-              <a:t>寻址模式</a:t>
-            </a:r>
-          </a:p>
-          <a:p>
-            <a:pPr algn="l">
-              <a:lnSpc>
-                <a:spcPct val="110000"/>
-              </a:lnSpc>
-            </a:pPr>
-            <a:r>
-              <a:rPr lang="en-US" altLang="zh-CN" sz="2800" b="0" i="0" u="none" strike="noStrike" baseline="0" dirty="0">
-                <a:solidFill>
-                  <a:srgbClr val="4F7BF7"/>
-                </a:solidFill>
-                <a:latin typeface="Arial" panose="020B0604020202020204" pitchFamily="34" charset="0"/>
-              </a:rPr>
-              <a:t>• </a:t>
-            </a:r>
-            <a:r>
-              <a:rPr lang="zh-CN" altLang="en-US" sz="2800" b="1" i="0" u="none" strike="noStrike" baseline="0" dirty="0">
-                <a:solidFill>
-                  <a:srgbClr val="4F7BF7"/>
-                </a:solidFill>
-                <a:latin typeface="等线" panose="02010600030101010101" pitchFamily="2" charset="-122"/>
-                <a:ea typeface="等线" panose="02010600030101010101" pitchFamily="2" charset="-122"/>
-              </a:rPr>
-              <a:t>异常或者中断的处理方式</a:t>
-            </a:r>
-          </a:p>
-          <a:p>
-            <a:pPr algn="l">
-              <a:lnSpc>
-                <a:spcPct val="110000"/>
-              </a:lnSpc>
-            </a:pPr>
-            <a:r>
-              <a:rPr lang="en-US" altLang="zh-CN" sz="2800" b="0" i="0" u="none" strike="noStrike" baseline="0" dirty="0">
-                <a:solidFill>
-                  <a:srgbClr val="4F7BF7"/>
-                </a:solidFill>
-                <a:latin typeface="Arial" panose="020B0604020202020204" pitchFamily="34" charset="0"/>
-              </a:rPr>
-              <a:t>• </a:t>
-            </a:r>
-            <a:r>
-              <a:rPr lang="zh-CN" altLang="en-US" sz="2800" b="1" i="0" u="none" strike="noStrike" baseline="0" dirty="0">
-                <a:solidFill>
-                  <a:srgbClr val="4F7BF7"/>
-                </a:solidFill>
-                <a:latin typeface="等线" panose="02010600030101010101" pitchFamily="2" charset="-122"/>
-                <a:ea typeface="等线" panose="02010600030101010101" pitchFamily="2" charset="-122"/>
-              </a:rPr>
-              <a:t>等等</a:t>
-            </a:r>
-            <a:r>
-              <a:rPr lang="en-US" altLang="zh-CN" sz="2800" b="1" i="0" u="none" strike="noStrike" baseline="0" dirty="0">
-                <a:solidFill>
-                  <a:srgbClr val="4F7BF7"/>
-                </a:solidFill>
-                <a:latin typeface="等线" panose="02010600030101010101" pitchFamily="2" charset="-122"/>
-                <a:ea typeface="等线" panose="02010600030101010101" pitchFamily="2" charset="-122"/>
-              </a:rPr>
-              <a:t>......</a:t>
-            </a:r>
-            <a:endParaRPr lang="zh-CN" altLang="en-US" sz="2800" b="1" i="0" u="none" strike="noStrike" baseline="0" dirty="0">
-              <a:solidFill>
-                <a:srgbClr val="4F7BF7"/>
-              </a:solidFill>
-              <a:latin typeface="等线" panose="02010600030101010101" pitchFamily="2" charset="-122"/>
-              <a:ea typeface="等线" panose="02010600030101010101" pitchFamily="2" charset="-122"/>
-            </a:endParaRPr>
-          </a:p>
-        </p:txBody>
-      </p:sp>
       <p:pic>
         <p:nvPicPr>
           <p:cNvPr id="8" name="图片 7">
@@ -10341,6 +9950,397 @@
               <a:solidFill>
                 <a:srgbClr val="000000"/>
               </a:solidFill>
+            </a:endParaRPr>
+          </a:p>
+        </p:txBody>
+      </p:sp>
+      <p:sp>
+        <p:nvSpPr>
+          <p:cNvPr id="9" name="文本框 8">
+            <a:extLst>
+              <a:ext uri="{FF2B5EF4-FFF2-40B4-BE49-F238E27FC236}">
+                <a16:creationId xmlns:a16="http://schemas.microsoft.com/office/drawing/2014/main" id="{2FD3F77F-46EC-14E8-DE24-3F55A3985C38}"/>
+              </a:ext>
+            </a:extLst>
+          </p:cNvPr>
+          <p:cNvSpPr txBox="1"/>
+          <p:nvPr/>
+        </p:nvSpPr>
+        <p:spPr>
+          <a:xfrm>
+            <a:off x="231881" y="1185468"/>
+            <a:ext cx="8264194" cy="5280420"/>
+          </a:xfrm>
+          <a:prstGeom prst="rect">
+            <a:avLst/>
+          </a:prstGeom>
+          <a:noFill/>
+        </p:spPr>
+        <p:txBody>
+          <a:bodyPr wrap="square" rtlCol="0">
+            <a:spAutoFit/>
+          </a:bodyPr>
+          <a:lstStyle/>
+          <a:p>
+            <a:pPr algn="l">
+              <a:lnSpc>
+                <a:spcPct val="110000"/>
+              </a:lnSpc>
+            </a:pPr>
+            <a:r>
+              <a:rPr lang="en-US" altLang="zh-CN" sz="2800" b="0" i="0" u="none" strike="noStrike" baseline="0" dirty="0">
+                <a:solidFill>
+                  <a:srgbClr val="4F7BF7"/>
+                </a:solidFill>
+                <a:latin typeface="Wingdings" panose="05000000000000000000" pitchFamily="2" charset="2"/>
+              </a:rPr>
+              <a:t>Ø </a:t>
+            </a:r>
+            <a:r>
+              <a:rPr lang="en-US" altLang="zh-CN" sz="2800" b="1" i="0" u="none" strike="noStrike" baseline="0" dirty="0">
+                <a:solidFill>
+                  <a:srgbClr val="4F7BF7"/>
+                </a:solidFill>
+                <a:latin typeface="MicrosoftYaHei"/>
+              </a:rPr>
+              <a:t>ISA</a:t>
+            </a:r>
+            <a:r>
+              <a:rPr lang="zh-CN" altLang="en-US" sz="2800" b="1" i="0" u="none" strike="noStrike" baseline="0" dirty="0">
+                <a:solidFill>
+                  <a:srgbClr val="4F7BF7"/>
+                </a:solidFill>
+                <a:latin typeface="MicrosoftYaHei"/>
+              </a:rPr>
+              <a:t>（</a:t>
+            </a:r>
+            <a:r>
+              <a:rPr lang="en-US" altLang="zh-CN" sz="2800" b="1" i="0" u="none" strike="noStrike" baseline="0" dirty="0">
+                <a:solidFill>
+                  <a:srgbClr val="4F7BF7"/>
+                </a:solidFill>
+                <a:latin typeface="MicrosoftYaHei"/>
+              </a:rPr>
+              <a:t>Instruction Set Architecture</a:t>
+            </a:r>
+            <a:r>
+              <a:rPr lang="zh-CN" altLang="en-US" sz="2800" b="1" i="0" u="none" strike="noStrike" baseline="0" dirty="0">
+                <a:solidFill>
+                  <a:srgbClr val="4F7BF7"/>
+                </a:solidFill>
+                <a:latin typeface="MicrosoftYaHei"/>
+              </a:rPr>
+              <a:t>）指令集架</a:t>
+            </a:r>
+          </a:p>
+          <a:p>
+            <a:pPr algn="l">
+              <a:lnSpc>
+                <a:spcPct val="110000"/>
+              </a:lnSpc>
+            </a:pPr>
+            <a:r>
+              <a:rPr lang="zh-CN" altLang="en-US" sz="2800" b="1" i="0" u="none" strike="noStrike" baseline="0" dirty="0">
+                <a:solidFill>
+                  <a:srgbClr val="4F7BF7"/>
+                </a:solidFill>
+                <a:latin typeface="MicrosoftYaHei"/>
+              </a:rPr>
+              <a:t>构：</a:t>
+            </a:r>
+            <a:r>
+              <a:rPr lang="zh-CN" altLang="en-US" sz="2800" b="0" i="0" u="none" strike="noStrike" baseline="0" dirty="0">
+                <a:solidFill>
+                  <a:srgbClr val="4F7BF7"/>
+                </a:solidFill>
+                <a:latin typeface="MicrosoftYaHei"/>
+              </a:rPr>
+              <a:t>是底层硬件电路面向上层软件程序提供的一</a:t>
+            </a:r>
+          </a:p>
+          <a:p>
+            <a:pPr algn="l">
+              <a:lnSpc>
+                <a:spcPct val="110000"/>
+              </a:lnSpc>
+            </a:pPr>
+            <a:r>
+              <a:rPr lang="zh-CN" altLang="en-US" sz="2800" b="0" i="0" u="none" strike="noStrike" baseline="0" dirty="0">
+                <a:solidFill>
+                  <a:srgbClr val="4F7BF7"/>
+                </a:solidFill>
+                <a:latin typeface="MicrosoftYaHei"/>
+              </a:rPr>
+              <a:t>层</a:t>
+            </a:r>
+            <a:r>
+              <a:rPr lang="zh-CN" altLang="en-US" sz="2800" b="1" i="0" u="none" strike="noStrike" baseline="0" dirty="0">
+                <a:solidFill>
+                  <a:srgbClr val="000000"/>
+                </a:solidFill>
+                <a:latin typeface="MicrosoftYaHei"/>
+              </a:rPr>
+              <a:t>接口规范</a:t>
+            </a:r>
+            <a:r>
+              <a:rPr lang="zh-CN" altLang="en-US" sz="2800" b="0" i="0" u="none" strike="noStrike" baseline="0" dirty="0">
+                <a:solidFill>
+                  <a:srgbClr val="4F7BF7"/>
+                </a:solidFill>
+                <a:latin typeface="MicrosoftYaHei"/>
+              </a:rPr>
+              <a:t>。</a:t>
+            </a:r>
+          </a:p>
+          <a:p>
+            <a:pPr algn="l">
+              <a:lnSpc>
+                <a:spcPct val="110000"/>
+              </a:lnSpc>
+            </a:pPr>
+            <a:r>
+              <a:rPr lang="en-US" altLang="zh-CN" sz="2800" b="0" i="0" u="none" strike="noStrike" baseline="0" dirty="0">
+                <a:solidFill>
+                  <a:srgbClr val="4F7BF7"/>
+                </a:solidFill>
+                <a:latin typeface="Wingdings" panose="05000000000000000000" pitchFamily="2" charset="2"/>
+              </a:rPr>
+              <a:t>Ø </a:t>
+            </a:r>
+            <a:r>
+              <a:rPr lang="en-US" altLang="zh-CN" sz="2800" b="1" i="0" u="none" strike="noStrike" baseline="0" dirty="0">
+                <a:solidFill>
+                  <a:srgbClr val="4F7BF7"/>
+                </a:solidFill>
+                <a:latin typeface="MicrosoftYaHei"/>
+              </a:rPr>
+              <a:t>ISA </a:t>
+            </a:r>
+            <a:r>
+              <a:rPr lang="zh-CN" altLang="en-US" sz="2800" b="1" i="0" u="none" strike="noStrike" baseline="0" dirty="0">
+                <a:solidFill>
+                  <a:srgbClr val="4F7BF7"/>
+                </a:solidFill>
+                <a:latin typeface="MicrosoftYaHei"/>
+              </a:rPr>
+              <a:t>定义了：</a:t>
+            </a:r>
+          </a:p>
+          <a:p>
+            <a:pPr algn="l">
+              <a:lnSpc>
+                <a:spcPct val="110000"/>
+              </a:lnSpc>
+            </a:pPr>
+            <a:r>
+              <a:rPr lang="en-US" altLang="zh-CN" sz="2800" b="0" i="0" u="none" strike="noStrike" baseline="0" dirty="0">
+                <a:solidFill>
+                  <a:srgbClr val="4F7BF7"/>
+                </a:solidFill>
+                <a:latin typeface="Arial" panose="020B0604020202020204" pitchFamily="34" charset="0"/>
+              </a:rPr>
+              <a:t>• </a:t>
+            </a:r>
+            <a:r>
+              <a:rPr lang="zh-CN" altLang="en-US" sz="2800" b="1" i="0" u="none" strike="noStrike" baseline="0" dirty="0">
+                <a:solidFill>
+                  <a:srgbClr val="4F7BF7"/>
+                </a:solidFill>
+                <a:latin typeface="等线" panose="02010600030101010101" pitchFamily="2" charset="-122"/>
+                <a:ea typeface="等线" panose="02010600030101010101" pitchFamily="2" charset="-122"/>
+              </a:rPr>
+              <a:t>基本数据类型：</a:t>
+            </a:r>
+          </a:p>
+          <a:p>
+            <a:pPr algn="l">
+              <a:lnSpc>
+                <a:spcPct val="110000"/>
+              </a:lnSpc>
+            </a:pPr>
+            <a:r>
+              <a:rPr lang="en-US" altLang="zh-CN" sz="2800" b="1" i="0" u="none" strike="noStrike" baseline="0" dirty="0">
+                <a:solidFill>
+                  <a:srgbClr val="4F7BF7"/>
+                </a:solidFill>
+                <a:latin typeface="等线" panose="02010600030101010101" pitchFamily="2" charset="-122"/>
+                <a:ea typeface="等线" panose="02010600030101010101" pitchFamily="2" charset="-122"/>
+              </a:rPr>
+              <a:t>BYTE/HALFWORD/WORD/……</a:t>
+            </a:r>
+            <a:endParaRPr lang="zh-CN" altLang="en-US" sz="2800" b="1" i="0" u="none" strike="noStrike" baseline="0" dirty="0">
+              <a:solidFill>
+                <a:srgbClr val="4F7BF7"/>
+              </a:solidFill>
+              <a:latin typeface="等线" panose="02010600030101010101" pitchFamily="2" charset="-122"/>
+              <a:ea typeface="等线" panose="02010600030101010101" pitchFamily="2" charset="-122"/>
+            </a:endParaRPr>
+          </a:p>
+          <a:p>
+            <a:pPr algn="l">
+              <a:lnSpc>
+                <a:spcPct val="110000"/>
+              </a:lnSpc>
+            </a:pPr>
+            <a:r>
+              <a:rPr lang="en-US" altLang="zh-CN" sz="2800" b="0" i="0" u="none" strike="noStrike" baseline="0" dirty="0">
+                <a:solidFill>
+                  <a:srgbClr val="4F7BF7"/>
+                </a:solidFill>
+                <a:latin typeface="Arial" panose="020B0604020202020204" pitchFamily="34" charset="0"/>
+              </a:rPr>
+              <a:t>• </a:t>
+            </a:r>
+            <a:r>
+              <a:rPr lang="zh-CN" altLang="en-US" sz="2800" b="1" i="0" u="none" strike="noStrike" baseline="0" dirty="0">
+                <a:solidFill>
+                  <a:srgbClr val="4F7BF7"/>
+                </a:solidFill>
+                <a:latin typeface="等线" panose="02010600030101010101" pitchFamily="2" charset="-122"/>
+                <a:ea typeface="等线" panose="02010600030101010101" pitchFamily="2" charset="-122"/>
+              </a:rPr>
+              <a:t>寄存器（</a:t>
+            </a:r>
+            <a:r>
+              <a:rPr lang="en-US" altLang="zh-CN" sz="2800" b="1" i="0" u="none" strike="noStrike" baseline="0" dirty="0">
+                <a:solidFill>
+                  <a:srgbClr val="4F7BF7"/>
+                </a:solidFill>
+                <a:latin typeface="等线" panose="02010600030101010101" pitchFamily="2" charset="-122"/>
+                <a:ea typeface="等线" panose="02010600030101010101" pitchFamily="2" charset="-122"/>
+              </a:rPr>
+              <a:t>Register</a:t>
+            </a:r>
+            <a:r>
+              <a:rPr lang="zh-CN" altLang="en-US" sz="2800" b="1" i="0" u="none" strike="noStrike" baseline="0" dirty="0">
+                <a:solidFill>
+                  <a:srgbClr val="4F7BF7"/>
+                </a:solidFill>
+                <a:latin typeface="等线" panose="02010600030101010101" pitchFamily="2" charset="-122"/>
+                <a:ea typeface="等线" panose="02010600030101010101" pitchFamily="2" charset="-122"/>
+              </a:rPr>
+              <a:t>）</a:t>
+            </a:r>
+          </a:p>
+          <a:p>
+            <a:pPr algn="l">
+              <a:lnSpc>
+                <a:spcPct val="110000"/>
+              </a:lnSpc>
+            </a:pPr>
+            <a:r>
+              <a:rPr lang="en-US" altLang="zh-CN" sz="2800" b="0" i="0" u="none" strike="noStrike" baseline="0" dirty="0">
+                <a:solidFill>
+                  <a:srgbClr val="4F7BF7"/>
+                </a:solidFill>
+                <a:latin typeface="Arial" panose="020B0604020202020204" pitchFamily="34" charset="0"/>
+              </a:rPr>
+              <a:t>• </a:t>
+            </a:r>
+            <a:r>
+              <a:rPr lang="zh-CN" altLang="en-US" sz="2800" b="1" i="0" u="none" strike="noStrike" baseline="0" dirty="0">
+                <a:solidFill>
+                  <a:srgbClr val="4F7BF7"/>
+                </a:solidFill>
+                <a:latin typeface="等线" panose="02010600030101010101" pitchFamily="2" charset="-122"/>
+                <a:ea typeface="等线" panose="02010600030101010101" pitchFamily="2" charset="-122"/>
+              </a:rPr>
+              <a:t>指令</a:t>
+            </a:r>
+          </a:p>
+          <a:p>
+            <a:pPr algn="l">
+              <a:lnSpc>
+                <a:spcPct val="110000"/>
+              </a:lnSpc>
+            </a:pPr>
+            <a:r>
+              <a:rPr lang="en-US" altLang="zh-CN" sz="2800" b="0" i="0" u="none" strike="noStrike" baseline="0" dirty="0">
+                <a:solidFill>
+                  <a:srgbClr val="4F7BF7"/>
+                </a:solidFill>
+                <a:latin typeface="Arial" panose="020B0604020202020204" pitchFamily="34" charset="0"/>
+              </a:rPr>
+              <a:t>• </a:t>
+            </a:r>
+            <a:r>
+              <a:rPr lang="zh-CN" altLang="en-US" sz="2800" b="1" i="0" u="none" strike="noStrike" baseline="0" dirty="0">
+                <a:solidFill>
+                  <a:srgbClr val="4F7BF7"/>
+                </a:solidFill>
+                <a:latin typeface="等线" panose="02010600030101010101" pitchFamily="2" charset="-122"/>
+                <a:ea typeface="等线" panose="02010600030101010101" pitchFamily="2" charset="-122"/>
+              </a:rPr>
+              <a:t>寻址模式</a:t>
+            </a:r>
+          </a:p>
+          <a:p>
+            <a:pPr algn="l">
+              <a:lnSpc>
+                <a:spcPct val="110000"/>
+              </a:lnSpc>
+            </a:pPr>
+            <a:r>
+              <a:rPr lang="en-US" altLang="zh-CN" sz="2800" b="0" i="0" u="none" strike="noStrike" baseline="0" dirty="0">
+                <a:solidFill>
+                  <a:srgbClr val="4F7BF7"/>
+                </a:solidFill>
+                <a:latin typeface="Arial" panose="020B0604020202020204" pitchFamily="34" charset="0"/>
+              </a:rPr>
+              <a:t>• </a:t>
+            </a:r>
+            <a:r>
+              <a:rPr lang="zh-CN" altLang="en-US" sz="2800" b="1" i="0" u="none" strike="noStrike" baseline="0" dirty="0">
+                <a:solidFill>
+                  <a:srgbClr val="4F7BF7"/>
+                </a:solidFill>
+                <a:latin typeface="等线" panose="02010600030101010101" pitchFamily="2" charset="-122"/>
+                <a:ea typeface="等线" panose="02010600030101010101" pitchFamily="2" charset="-122"/>
+              </a:rPr>
+              <a:t>异常或者中断的处理方式</a:t>
+            </a:r>
+          </a:p>
+          <a:p>
+            <a:pPr algn="l">
+              <a:lnSpc>
+                <a:spcPct val="110000"/>
+              </a:lnSpc>
+            </a:pPr>
+            <a:r>
+              <a:rPr lang="en-US" altLang="zh-CN" sz="2800" b="0" i="0" u="none" strike="noStrike" baseline="0" dirty="0">
+                <a:solidFill>
+                  <a:srgbClr val="4F7BF7"/>
+                </a:solidFill>
+                <a:latin typeface="Arial" panose="020B0604020202020204" pitchFamily="34" charset="0"/>
+              </a:rPr>
+              <a:t>• </a:t>
+            </a:r>
+            <a:r>
+              <a:rPr lang="zh-CN" altLang="en-US" sz="2800" b="1" i="0" u="none" strike="noStrike" baseline="0" dirty="0">
+                <a:solidFill>
+                  <a:srgbClr val="4F7BF7"/>
+                </a:solidFill>
+                <a:latin typeface="等线" panose="02010600030101010101" pitchFamily="2" charset="-122"/>
+                <a:ea typeface="等线" panose="02010600030101010101" pitchFamily="2" charset="-122"/>
+              </a:rPr>
+              <a:t>等等</a:t>
+            </a:r>
+            <a:r>
+              <a:rPr lang="en-US" altLang="zh-CN" sz="2800" b="1" i="0" u="none" strike="noStrike" baseline="0" dirty="0">
+                <a:solidFill>
+                  <a:srgbClr val="4F7BF7"/>
+                </a:solidFill>
+                <a:latin typeface="等线" panose="02010600030101010101" pitchFamily="2" charset="-122"/>
+                <a:ea typeface="等线" panose="02010600030101010101" pitchFamily="2" charset="-122"/>
+              </a:rPr>
+              <a:t>......</a:t>
+            </a:r>
+            <a:endParaRPr lang="zh-CN" altLang="en-US" sz="2800" b="1" i="0" u="none" strike="noStrike" baseline="0" dirty="0">
+              <a:solidFill>
+                <a:srgbClr val="4F7BF7"/>
+              </a:solidFill>
+              <a:latin typeface="等线" panose="02010600030101010101" pitchFamily="2" charset="-122"/>
+              <a:ea typeface="等线" panose="02010600030101010101" pitchFamily="2" charset="-122"/>
             </a:endParaRPr>
           </a:p>
         </p:txBody>
